--- a/sd/qa/unit/data/pptx/smartart-autofit-sync.pptx
+++ b/sd/qa/unit/data/pptx/smartart-autofit-sync.pptx
@@ -6647,7 +6647,7 @@
     </a:clrScheme>
     <a:fontScheme name="Office">
       <a:majorFont>
-        <a:latin typeface="Calibri Light" panose="020F0302020204030204"/>
+        <a:latin typeface="Noto Sans" panose="020F0302020204030204"/>
         <a:ea typeface=""/>
         <a:cs typeface=""/>
         <a:font script="Jpan" typeface="游ゴシック Light"/>
@@ -6699,7 +6699,7 @@
         <a:font script="Tfng" typeface="Ebrima"/>
       </a:majorFont>
       <a:minorFont>
-        <a:latin typeface="Calibri" panose="020F0502020204030204"/>
+        <a:latin typeface="Arial" panose="020F0502020204030204"/>
         <a:ea typeface=""/>
         <a:cs typeface=""/>
         <a:font script="Jpan" typeface="游ゴシック"/>
